--- a/CAP5415 - Computer Vision/StudyGuide.pptx
+++ b/CAP5415 - Computer Vision/StudyGuide.pptx
@@ -3339,7 +3339,7 @@
         <p:spPr>
           <a:xfrm>
             <a:off x="0" y="88"/>
-            <a:ext cx="1700504" cy="5370701"/>
+            <a:ext cx="1700504" cy="5155257"/>
           </a:xfrm>
           <a:prstGeom prst="rect">
             <a:avLst/>
@@ -3413,15 +3413,6 @@
               <a:rPr lang="fr-FR" sz="700" dirty="0"/>
               <a:t>, -1).T</a:t>
             </a:r>
-          </a:p>
-          <a:p>
-            <a:endParaRPr lang="en-US" sz="700" dirty="0"/>
-          </a:p>
-          <a:p>
-            <a:endParaRPr lang="en-US" sz="700" dirty="0"/>
-          </a:p>
-          <a:p>
-            <a:endParaRPr lang="en-US" sz="700" dirty="0"/>
           </a:p>
           <a:p>
             <a:endParaRPr lang="en-US" sz="700" dirty="0"/>
@@ -3795,8 +3786,8 @@
         </p:blipFill>
         <p:spPr>
           <a:xfrm>
-            <a:off x="76984" y="609145"/>
-            <a:ext cx="1546542" cy="278806"/>
+            <a:off x="15008" y="507160"/>
+            <a:ext cx="1700504" cy="306562"/>
           </a:xfrm>
           <a:prstGeom prst="rect">
             <a:avLst/>
@@ -3825,7 +3816,7 @@
         </p:blipFill>
         <p:spPr>
           <a:xfrm>
-            <a:off x="544157" y="2747114"/>
+            <a:off x="938068" y="3432796"/>
             <a:ext cx="731027" cy="237712"/>
           </a:xfrm>
           <a:prstGeom prst="rect">
@@ -3855,7 +3846,7 @@
         </p:blipFill>
         <p:spPr>
           <a:xfrm>
-            <a:off x="272503" y="1487211"/>
+            <a:off x="263863" y="1146610"/>
             <a:ext cx="1050112" cy="572789"/>
           </a:xfrm>
           <a:prstGeom prst="rect">
@@ -3885,8 +3876,8 @@
         </p:blipFill>
         <p:spPr>
           <a:xfrm>
-            <a:off x="84485" y="2060000"/>
-            <a:ext cx="1490565" cy="109122"/>
+            <a:off x="139337" y="2444616"/>
+            <a:ext cx="1504017" cy="110107"/>
           </a:xfrm>
           <a:prstGeom prst="rect">
             <a:avLst/>
@@ -7211,8 +7202,8 @@
         </p:nvSpPr>
         <p:spPr>
           <a:xfrm>
-            <a:off x="2401684" y="2662399"/>
-            <a:ext cx="3282678" cy="1538883"/>
+            <a:off x="2375557" y="2634160"/>
+            <a:ext cx="3343637" cy="1292662"/>
           </a:xfrm>
           <a:prstGeom prst="rect">
             <a:avLst/>
@@ -7257,14 +7248,116 @@
           </a:p>
           <a:p>
             <a:r>
-              <a:rPr lang="en-US" sz="800"/>
-              <a:t>inception </a:t>
-            </a:r>
-            <a:r>
-              <a:rPr lang="en-US" sz="800" dirty="0"/>
-              <a:t>module that approximates a sparse CNN with a normal dense construction(shown in the figure). Since only a small number of neurons are effective as mentioned earlier, the width/number of the convolutional filters of a particular kernel size is kept small. Also, it uses convolutions of different sizes to capture details at varied scales(5X5, 3X3, 1X1).</a:t>
-            </a:r>
-            <a:endParaRPr lang="en-US" sz="600" dirty="0"/>
+              <a:rPr lang="en-US" sz="600" dirty="0"/>
+              <a:t>inception module that approximates a sparse CNN with a normal dense construction(shown in the figure). Since only a small number of neurons are effective as mentioned earlier, the width/number of the convolutional filters of a particular kernel size is kept small. Also, it uses convolutions of different sizes to capture details at varied scales(5X5, 3X3, 1X1).</a:t>
+            </a:r>
+          </a:p>
+        </p:txBody>
+      </p:sp>
+      <p:pic>
+        <p:nvPicPr>
+          <p:cNvPr id="33" name="Picture 32">
+            <a:extLst>
+              <a:ext uri="{FF2B5EF4-FFF2-40B4-BE49-F238E27FC236}">
+                <a16:creationId xmlns:a16="http://schemas.microsoft.com/office/drawing/2014/main" id="{F7DC049B-AA6A-47EC-B239-DBDE0381C191}"/>
+              </a:ext>
+            </a:extLst>
+          </p:cNvPr>
+          <p:cNvPicPr>
+            <a:picLocks noChangeAspect="1"/>
+          </p:cNvPicPr>
+          <p:nvPr/>
+        </p:nvPicPr>
+        <p:blipFill>
+          <a:blip r:embed="rId14">
+            <a:extLst>
+              <a:ext uri="{28A0092B-C50C-407E-A947-70E740481C1C}">
+                <a14:useLocalDpi xmlns:a14="http://schemas.microsoft.com/office/drawing/2010/main" val="0"/>
+              </a:ext>
+            </a:extLst>
+          </a:blip>
+          <a:stretch>
+            <a:fillRect/>
+          </a:stretch>
+        </p:blipFill>
+        <p:spPr>
+          <a:xfrm>
+            <a:off x="7665225" y="3580161"/>
+            <a:ext cx="1449689" cy="765944"/>
+          </a:xfrm>
+          <a:prstGeom prst="rect">
+            <a:avLst/>
+          </a:prstGeom>
+        </p:spPr>
+      </p:pic>
+      <p:sp>
+        <p:nvSpPr>
+          <p:cNvPr id="36" name="TextBox 35">
+            <a:extLst>
+              <a:ext uri="{FF2B5EF4-FFF2-40B4-BE49-F238E27FC236}">
+                <a16:creationId xmlns:a16="http://schemas.microsoft.com/office/drawing/2014/main" id="{FD20D4EA-2D7C-4C26-BF30-67C78A4B6362}"/>
+              </a:ext>
+            </a:extLst>
+          </p:cNvPr>
+          <p:cNvSpPr txBox="1"/>
+          <p:nvPr/>
+        </p:nvSpPr>
+        <p:spPr>
+          <a:xfrm>
+            <a:off x="5745245" y="2676678"/>
+            <a:ext cx="3339448" cy="1107996"/>
+          </a:xfrm>
+          <a:prstGeom prst="rect">
+            <a:avLst/>
+          </a:prstGeom>
+          <a:noFill/>
+          <a:ln>
+            <a:solidFill>
+              <a:schemeClr val="tx1"/>
+            </a:solidFill>
+          </a:ln>
+        </p:spPr>
+        <p:txBody>
+          <a:bodyPr wrap="square" rtlCol="0">
+            <a:spAutoFit/>
+          </a:bodyPr>
+          <a:lstStyle/>
+          <a:p>
+            <a:r>
+              <a:rPr lang="en-US" sz="600" dirty="0">
+                <a:solidFill>
+                  <a:srgbClr val="FF0000"/>
+                </a:solidFill>
+              </a:rPr>
+              <a:t>Residual Network</a:t>
+            </a:r>
+            <a:r>
+              <a:rPr lang="en-US" sz="600" dirty="0"/>
+              <a:t>:</a:t>
+            </a:r>
+            <a:br>
+              <a:rPr lang="en-US" sz="600" dirty="0"/>
+            </a:br>
+            <a:r>
+              <a:rPr lang="en-US" sz="600" dirty="0"/>
+              <a:t>Imagine a network, A which produces x amount of training error. Construct a network B by adding few layers on top of A and put parameter values in those layers in such a way that they do nothing to the outputs from A. Let’s call the additional layer as C. This would mean the same x amount of training error for the new network. So while training network B, the training error should not be above the training error of A. And since it </a:t>
+            </a:r>
+            <a:r>
+              <a:rPr lang="en-US" sz="600" b="1" dirty="0"/>
+              <a:t>DOES</a:t>
+            </a:r>
+            <a:r>
+              <a:rPr lang="en-US" sz="600" dirty="0"/>
+              <a:t> happen, the only reason is that learning the identity mapping(doing nothing to inputs and just copying as it is) with the added layers-C is not a trivial problem, which the solver does not achieve. To solve this, the module shown above creates a direct path between the input and output to the module implying an identity mapping and the added layer-C just need to learn the features on top of already available input. Since C is learning only the residual, the whole module is called </a:t>
+            </a:r>
+            <a:r>
+              <a:rPr lang="en-US" sz="600" b="1" dirty="0"/>
+              <a:t>residual module</a:t>
+            </a:r>
+            <a:r>
+              <a:rPr lang="en-US" sz="600" dirty="0"/>
+              <a:t>. </a:t>
+            </a:r>
           </a:p>
         </p:txBody>
       </p:sp>
